--- a/3D_Imaging/R/figs4paper/Fig3.pptx
+++ b/3D_Imaging/R/figs4paper/Fig3.pptx
@@ -3904,6 +3904,94 @@
           </a:fontRef>
         </p:style>
       </p:pic>
+      <p:pic>
+        <p:nvPicPr>
+          <p:cNvPr id="32" name="Picture 31" descr="A close up of words&#10;&#10;Description automatically generated">
+            <a:extLst>
+              <a:ext uri="{FF2B5EF4-FFF2-40B4-BE49-F238E27FC236}">
+                <a16:creationId xmlns:a16="http://schemas.microsoft.com/office/drawing/2014/main" id="{C01AB1AC-997B-DF65-BDE4-6C0A87416996}"/>
+              </a:ext>
+            </a:extLst>
+          </p:cNvPr>
+          <p:cNvPicPr>
+            <a:picLocks noChangeAspect="1"/>
+          </p:cNvPicPr>
+          <p:nvPr/>
+        </p:nvPicPr>
+        <p:blipFill>
+          <a:blip r:embed="rId5"/>
+          <a:stretch>
+            <a:fillRect/>
+          </a:stretch>
+        </p:blipFill>
+        <p:spPr>
+          <a:xfrm>
+            <a:off x="4788541" y="2591462"/>
+            <a:ext cx="771024" cy="377424"/>
+          </a:xfrm>
+          <a:prstGeom prst="rect">
+            <a:avLst/>
+          </a:prstGeom>
+        </p:spPr>
+        <p:style>
+          <a:lnRef idx="2">
+            <a:schemeClr val="dk1"/>
+          </a:lnRef>
+          <a:fillRef idx="1">
+            <a:schemeClr val="lt1"/>
+          </a:fillRef>
+          <a:effectRef idx="0">
+            <a:schemeClr val="dk1"/>
+          </a:effectRef>
+          <a:fontRef idx="minor">
+            <a:schemeClr val="dk1"/>
+          </a:fontRef>
+        </p:style>
+      </p:pic>
+      <p:pic>
+        <p:nvPicPr>
+          <p:cNvPr id="33" name="Picture 32" descr="A close up of words&#10;&#10;Description automatically generated">
+            <a:extLst>
+              <a:ext uri="{FF2B5EF4-FFF2-40B4-BE49-F238E27FC236}">
+                <a16:creationId xmlns:a16="http://schemas.microsoft.com/office/drawing/2014/main" id="{21CAD346-CCC4-72D5-6926-F0C0F9678189}"/>
+              </a:ext>
+            </a:extLst>
+          </p:cNvPr>
+          <p:cNvPicPr>
+            <a:picLocks noChangeAspect="1"/>
+          </p:cNvPicPr>
+          <p:nvPr/>
+        </p:nvPicPr>
+        <p:blipFill>
+          <a:blip r:embed="rId5"/>
+          <a:stretch>
+            <a:fillRect/>
+          </a:stretch>
+        </p:blipFill>
+        <p:spPr>
+          <a:xfrm>
+            <a:off x="585217" y="5614681"/>
+            <a:ext cx="771024" cy="377424"/>
+          </a:xfrm>
+          <a:prstGeom prst="rect">
+            <a:avLst/>
+          </a:prstGeom>
+        </p:spPr>
+        <p:style>
+          <a:lnRef idx="2">
+            <a:schemeClr val="dk1"/>
+          </a:lnRef>
+          <a:fillRef idx="1">
+            <a:schemeClr val="lt1"/>
+          </a:fillRef>
+          <a:effectRef idx="0">
+            <a:schemeClr val="dk1"/>
+          </a:effectRef>
+          <a:fontRef idx="minor">
+            <a:schemeClr val="dk1"/>
+          </a:fontRef>
+        </p:style>
+      </p:pic>
     </p:spTree>
     <p:extLst>
       <p:ext uri="{BB962C8B-B14F-4D97-AF65-F5344CB8AC3E}">
